--- a/ppts/Modulo 3/5485 - M03A01.pptx
+++ b/ppts/Modulo 3/5485 - M03A01.pptx
@@ -10,6 +10,16 @@
     <p:sldId id="347" r:id="rId4"/>
     <p:sldId id="264" r:id="rId5"/>
     <p:sldId id="295" r:id="rId6"/>
+    <p:sldId id="348" r:id="rId7"/>
+    <p:sldId id="351" r:id="rId8"/>
+    <p:sldId id="350" r:id="rId9"/>
+    <p:sldId id="349" r:id="rId10"/>
+    <p:sldId id="352" r:id="rId11"/>
+    <p:sldId id="353" r:id="rId12"/>
+    <p:sldId id="354" r:id="rId13"/>
+    <p:sldId id="355" r:id="rId14"/>
+    <p:sldId id="356" r:id="rId15"/>
+    <p:sldId id="357" r:id="rId16"/>
   </p:sldIdLst>
   <p:sldSz cx="12192000" cy="6858000"/>
   <p:notesSz cx="6858000" cy="9144000"/>
@@ -110,7 +120,7 @@
   </p:defaultTextStyle>
   <p:extLst>
     <p:ext uri="{EFAFB233-063F-42B5-8137-9DF3F51BA10A}">
-      <p15:sldGuideLst xmlns:p15="http://schemas.microsoft.com/office/powerpoint/2012/main" xmlns=""/>
+      <p15:sldGuideLst xmlns="" xmlns:p15="http://schemas.microsoft.com/office/powerpoint/2012/main"/>
     </p:ext>
   </p:extLst>
 </p:presentation>
@@ -3030,11 +3040,7 @@
             <a:pPr fontAlgn="base"/>
             <a:r>
               <a:rPr lang="pt-BR" dirty="0" smtClean="0"/>
-              <a:t>INSTALAÇ</a:t>
-            </a:r>
-            <a:r>
-              <a:rPr lang="pt-BR" dirty="0" smtClean="0"/>
-              <a:t>ÃO E Distribuição</a:t>
+              <a:t>INSTALAÇÃO E Distribuição</a:t>
             </a:r>
             <a:endParaRPr lang="pt-BR" dirty="0"/>
           </a:p>
@@ -3044,6 +3050,741 @@
     <p:extLst>
       <p:ext uri="{BB962C8B-B14F-4D97-AF65-F5344CB8AC3E}">
         <p14:creationId xmlns:p14="http://schemas.microsoft.com/office/powerpoint/2010/main" val="1644143119"/>
+      </p:ext>
+    </p:extLst>
+  </p:cSld>
+  <p:clrMapOvr>
+    <a:masterClrMapping/>
+  </p:clrMapOvr>
+  <p:transition xmlns:p14="http://schemas.microsoft.com/office/powerpoint/2010/main" spd="slow">
+    <p:push dir="u"/>
+  </p:transition>
+  <p:timing>
+    <p:tnLst>
+      <p:par>
+        <p:cTn xmlns:p14="http://schemas.microsoft.com/office/powerpoint/2010/main" id="1" dur="indefinite" restart="never" nodeType="tmRoot"/>
+      </p:par>
+    </p:tnLst>
+  </p:timing>
+</p:sld>
+</file>
+
+<file path=ppt/slides/slide10.xml><?xml version="1.0" encoding="utf-8"?>
+<p:sld xmlns:a="http://schemas.openxmlformats.org/drawingml/2006/main" xmlns:r="http://schemas.openxmlformats.org/officeDocument/2006/relationships" xmlns:p="http://schemas.openxmlformats.org/presentationml/2006/main">
+  <p:cSld>
+    <p:bg>
+      <p:bgPr>
+        <a:blipFill dpi="0" rotWithShape="1">
+          <a:blip r:embed="rId2">
+            <a:lum/>
+          </a:blip>
+          <a:srcRect/>
+          <a:stretch>
+            <a:fillRect/>
+          </a:stretch>
+        </a:blipFill>
+        <a:effectLst/>
+      </p:bgPr>
+    </p:bg>
+    <p:spTree>
+      <p:nvGrpSpPr>
+        <p:cNvPr id="1" name=""/>
+        <p:cNvGrpSpPr/>
+        <p:nvPr/>
+      </p:nvGrpSpPr>
+      <p:grpSpPr>
+        <a:xfrm>
+          <a:off x="0" y="0"/>
+          <a:ext cx="0" cy="0"/>
+          <a:chOff x="0" y="0"/>
+          <a:chExt cx="0" cy="0"/>
+        </a:xfrm>
+      </p:grpSpPr>
+      <p:sp>
+        <p:nvSpPr>
+          <p:cNvPr id="2" name="Título 1"/>
+          <p:cNvSpPr>
+            <a:spLocks noGrp="1"/>
+          </p:cNvSpPr>
+          <p:nvPr>
+            <p:ph type="title"/>
+          </p:nvPr>
+        </p:nvSpPr>
+        <p:spPr/>
+        <p:txBody>
+          <a:bodyPr/>
+          <a:lstStyle/>
+          <a:p>
+            <a:r>
+              <a:rPr lang="pt-BR" dirty="0" smtClean="0"/>
+              <a:t>Comprimindo CSS</a:t>
+            </a:r>
+            <a:endParaRPr lang="pt-BR" dirty="0"/>
+          </a:p>
+        </p:txBody>
+      </p:sp>
+      <p:sp>
+        <p:nvSpPr>
+          <p:cNvPr id="4" name="Espaço Reservado para Texto 3"/>
+          <p:cNvSpPr>
+            <a:spLocks noGrp="1"/>
+          </p:cNvSpPr>
+          <p:nvPr>
+            <p:ph type="body" idx="1"/>
+          </p:nvPr>
+        </p:nvSpPr>
+        <p:spPr/>
+        <p:txBody>
+          <a:bodyPr/>
+          <a:lstStyle/>
+          <a:p>
+            <a:pPr marL="0" lvl="1">
+              <a:spcBef>
+                <a:spcPts val="1000"/>
+              </a:spcBef>
+            </a:pPr>
+            <a:r>
+              <a:rPr lang="pt-BR" dirty="0" smtClean="0"/>
+              <a:t>Módulo 3 – Aula </a:t>
+            </a:r>
+            <a:r>
+              <a:rPr lang="pt-BR" dirty="0" smtClean="0"/>
+              <a:t>4</a:t>
+            </a:r>
+            <a:endParaRPr lang="pt-BR" dirty="0" smtClean="0"/>
+          </a:p>
+        </p:txBody>
+      </p:sp>
+    </p:spTree>
+    <p:extLst>
+      <p:ext uri="{BB962C8B-B14F-4D97-AF65-F5344CB8AC3E}">
+        <p14:creationId xmlns:p14="http://schemas.microsoft.com/office/powerpoint/2010/main" val="3222546522"/>
+      </p:ext>
+    </p:extLst>
+  </p:cSld>
+  <p:clrMapOvr>
+    <a:masterClrMapping/>
+  </p:clrMapOvr>
+  <p:transition xmlns:p14="http://schemas.microsoft.com/office/powerpoint/2010/main" spd="slow">
+    <p:push dir="u"/>
+  </p:transition>
+  <p:timing>
+    <p:tnLst>
+      <p:par>
+        <p:cTn xmlns:p14="http://schemas.microsoft.com/office/powerpoint/2010/main" id="1" dur="indefinite" restart="never" nodeType="tmRoot"/>
+      </p:par>
+    </p:tnLst>
+  </p:timing>
+</p:sld>
+</file>
+
+<file path=ppt/slides/slide11.xml><?xml version="1.0" encoding="utf-8"?>
+<p:sld xmlns:a="http://schemas.openxmlformats.org/drawingml/2006/main" xmlns:r="http://schemas.openxmlformats.org/officeDocument/2006/relationships" xmlns:p="http://schemas.openxmlformats.org/presentationml/2006/main">
+  <p:cSld>
+    <p:bg>
+      <p:bgPr>
+        <a:blipFill dpi="0" rotWithShape="1">
+          <a:blip r:embed="rId2">
+            <a:lum/>
+          </a:blip>
+          <a:srcRect/>
+          <a:stretch>
+            <a:fillRect/>
+          </a:stretch>
+        </a:blipFill>
+        <a:effectLst/>
+      </p:bgPr>
+    </p:bg>
+    <p:spTree>
+      <p:nvGrpSpPr>
+        <p:cNvPr id="1" name=""/>
+        <p:cNvGrpSpPr/>
+        <p:nvPr/>
+      </p:nvGrpSpPr>
+      <p:grpSpPr>
+        <a:xfrm>
+          <a:off x="0" y="0"/>
+          <a:ext cx="0" cy="0"/>
+          <a:chOff x="0" y="0"/>
+          <a:chExt cx="0" cy="0"/>
+        </a:xfrm>
+      </p:grpSpPr>
+      <p:sp>
+        <p:nvSpPr>
+          <p:cNvPr id="2" name="Título 1"/>
+          <p:cNvSpPr>
+            <a:spLocks noGrp="1"/>
+          </p:cNvSpPr>
+          <p:nvPr>
+            <p:ph type="title"/>
+          </p:nvPr>
+        </p:nvSpPr>
+        <p:spPr/>
+        <p:txBody>
+          <a:bodyPr/>
+          <a:lstStyle/>
+          <a:p>
+            <a:r>
+              <a:rPr lang="pt-BR" dirty="0" smtClean="0"/>
+              <a:t>Comprimindo CSS</a:t>
+            </a:r>
+            <a:endParaRPr lang="pt-BR" dirty="0"/>
+          </a:p>
+        </p:txBody>
+      </p:sp>
+      <p:sp>
+        <p:nvSpPr>
+          <p:cNvPr id="5" name="Espaço Reservado para Conteúdo 4"/>
+          <p:cNvSpPr>
+            <a:spLocks noGrp="1"/>
+          </p:cNvSpPr>
+          <p:nvPr>
+            <p:ph idx="1"/>
+          </p:nvPr>
+        </p:nvSpPr>
+        <p:spPr/>
+        <p:txBody>
+          <a:bodyPr/>
+          <a:lstStyle/>
+          <a:p>
+            <a:r>
+              <a:rPr lang="pt-BR" dirty="0" smtClean="0"/>
+              <a:t>Por que?</a:t>
+            </a:r>
+          </a:p>
+          <a:p>
+            <a:r>
+              <a:rPr lang="pt-BR" dirty="0" smtClean="0"/>
+              <a:t>Criando </a:t>
+            </a:r>
+            <a:r>
+              <a:rPr lang="pt-BR" dirty="0" err="1" smtClean="0"/>
+              <a:t>tasks</a:t>
+            </a:r>
+            <a:r>
+              <a:rPr lang="pt-BR" dirty="0" smtClean="0"/>
+              <a:t> no </a:t>
+            </a:r>
+            <a:r>
+              <a:rPr lang="pt-BR" dirty="0" err="1" smtClean="0"/>
+              <a:t>Grunt</a:t>
+            </a:r>
+            <a:endParaRPr lang="pt-BR" dirty="0" smtClean="0"/>
+          </a:p>
+          <a:p>
+            <a:endParaRPr lang="pt-BR" dirty="0" smtClean="0"/>
+          </a:p>
+        </p:txBody>
+      </p:sp>
+    </p:spTree>
+    <p:extLst>
+      <p:ext uri="{BB962C8B-B14F-4D97-AF65-F5344CB8AC3E}">
+        <p14:creationId xmlns:p14="http://schemas.microsoft.com/office/powerpoint/2010/main" val="1449194564"/>
+      </p:ext>
+    </p:extLst>
+  </p:cSld>
+  <p:clrMapOvr>
+    <a:masterClrMapping/>
+  </p:clrMapOvr>
+  <p:transition xmlns:p14="http://schemas.microsoft.com/office/powerpoint/2010/main" spd="slow">
+    <p:push dir="u"/>
+  </p:transition>
+  <p:timing>
+    <p:tnLst>
+      <p:par>
+        <p:cTn xmlns:p14="http://schemas.microsoft.com/office/powerpoint/2010/main" id="1" dur="indefinite" restart="never" nodeType="tmRoot"/>
+      </p:par>
+    </p:tnLst>
+  </p:timing>
+</p:sld>
+</file>
+
+<file path=ppt/slides/slide12.xml><?xml version="1.0" encoding="utf-8"?>
+<p:sld xmlns:a="http://schemas.openxmlformats.org/drawingml/2006/main" xmlns:r="http://schemas.openxmlformats.org/officeDocument/2006/relationships" xmlns:p="http://schemas.openxmlformats.org/presentationml/2006/main">
+  <p:cSld>
+    <p:bg>
+      <p:bgPr>
+        <a:blipFill dpi="0" rotWithShape="1">
+          <a:blip r:embed="rId2">
+            <a:lum/>
+          </a:blip>
+          <a:srcRect/>
+          <a:stretch>
+            <a:fillRect/>
+          </a:stretch>
+        </a:blipFill>
+        <a:effectLst/>
+      </p:bgPr>
+    </p:bg>
+    <p:spTree>
+      <p:nvGrpSpPr>
+        <p:cNvPr id="1" name=""/>
+        <p:cNvGrpSpPr/>
+        <p:nvPr/>
+      </p:nvGrpSpPr>
+      <p:grpSpPr>
+        <a:xfrm>
+          <a:off x="0" y="0"/>
+          <a:ext cx="0" cy="0"/>
+          <a:chOff x="0" y="0"/>
+          <a:chExt cx="0" cy="0"/>
+        </a:xfrm>
+      </p:grpSpPr>
+      <p:sp>
+        <p:nvSpPr>
+          <p:cNvPr id="2" name="Título 1"/>
+          <p:cNvSpPr>
+            <a:spLocks noGrp="1"/>
+          </p:cNvSpPr>
+          <p:nvPr>
+            <p:ph type="title"/>
+          </p:nvPr>
+        </p:nvSpPr>
+        <p:spPr/>
+        <p:txBody>
+          <a:bodyPr/>
+          <a:lstStyle/>
+          <a:p>
+            <a:r>
+              <a:rPr lang="pt-BR" dirty="0" smtClean="0"/>
+              <a:t>DEMO</a:t>
+            </a:r>
+            <a:endParaRPr lang="pt-BR" dirty="0"/>
+          </a:p>
+        </p:txBody>
+      </p:sp>
+      <p:sp>
+        <p:nvSpPr>
+          <p:cNvPr id="5" name="Espaço Reservado para Conteúdo 4"/>
+          <p:cNvSpPr>
+            <a:spLocks noGrp="1"/>
+          </p:cNvSpPr>
+          <p:nvPr>
+            <p:ph type="body" idx="1"/>
+          </p:nvPr>
+        </p:nvSpPr>
+        <p:spPr/>
+        <p:txBody>
+          <a:bodyPr numCol="2">
+            <a:normAutofit/>
+          </a:bodyPr>
+          <a:lstStyle/>
+          <a:p>
+            <a:pPr lvl="1" fontAlgn="base"/>
+            <a:r>
+              <a:rPr lang="pt-BR" dirty="0" smtClean="0"/>
+              <a:t>Criando </a:t>
+            </a:r>
+            <a:r>
+              <a:rPr lang="pt-BR" dirty="0" err="1" smtClean="0"/>
+              <a:t>tasks</a:t>
+            </a:r>
+            <a:r>
+              <a:rPr lang="pt-BR" dirty="0" smtClean="0"/>
+              <a:t> no </a:t>
+            </a:r>
+            <a:r>
+              <a:rPr lang="pt-BR" dirty="0" err="1" smtClean="0"/>
+              <a:t>Grunt</a:t>
+            </a:r>
+            <a:r>
+              <a:rPr lang="pt-BR" dirty="0" smtClean="0"/>
+              <a:t> para </a:t>
+            </a:r>
+            <a:r>
+              <a:rPr lang="pt-BR" dirty="0" err="1" smtClean="0"/>
+              <a:t>minificar</a:t>
+            </a:r>
+            <a:r>
+              <a:rPr lang="pt-BR" dirty="0" smtClean="0"/>
+              <a:t> o CSS</a:t>
+            </a:r>
+            <a:endParaRPr lang="pt-BR" dirty="0" smtClean="0"/>
+          </a:p>
+        </p:txBody>
+      </p:sp>
+    </p:spTree>
+    <p:extLst>
+      <p:ext uri="{BB962C8B-B14F-4D97-AF65-F5344CB8AC3E}">
+        <p14:creationId xmlns:p14="http://schemas.microsoft.com/office/powerpoint/2010/main" val="898307384"/>
+      </p:ext>
+    </p:extLst>
+  </p:cSld>
+  <p:clrMapOvr>
+    <a:masterClrMapping/>
+  </p:clrMapOvr>
+  <p:transition xmlns:p14="http://schemas.microsoft.com/office/powerpoint/2010/main" spd="slow">
+    <p:push dir="u"/>
+  </p:transition>
+  <p:timing>
+    <p:tnLst>
+      <p:par>
+        <p:cTn xmlns:p14="http://schemas.microsoft.com/office/powerpoint/2010/main" id="1" dur="indefinite" restart="never" nodeType="tmRoot"/>
+      </p:par>
+    </p:tnLst>
+  </p:timing>
+</p:sld>
+</file>
+
+<file path=ppt/slides/slide13.xml><?xml version="1.0" encoding="utf-8"?>
+<p:sld xmlns:a="http://schemas.openxmlformats.org/drawingml/2006/main" xmlns:r="http://schemas.openxmlformats.org/officeDocument/2006/relationships" xmlns:p="http://schemas.openxmlformats.org/presentationml/2006/main">
+  <p:cSld>
+    <p:bg>
+      <p:bgPr>
+        <a:blipFill dpi="0" rotWithShape="1">
+          <a:blip r:embed="rId2">
+            <a:lum/>
+          </a:blip>
+          <a:srcRect/>
+          <a:stretch>
+            <a:fillRect/>
+          </a:stretch>
+        </a:blipFill>
+        <a:effectLst/>
+      </p:bgPr>
+    </p:bg>
+    <p:spTree>
+      <p:nvGrpSpPr>
+        <p:cNvPr id="1" name=""/>
+        <p:cNvGrpSpPr/>
+        <p:nvPr/>
+      </p:nvGrpSpPr>
+      <p:grpSpPr>
+        <a:xfrm>
+          <a:off x="0" y="0"/>
+          <a:ext cx="0" cy="0"/>
+          <a:chOff x="0" y="0"/>
+          <a:chExt cx="0" cy="0"/>
+        </a:xfrm>
+      </p:grpSpPr>
+      <p:sp>
+        <p:nvSpPr>
+          <p:cNvPr id="2" name="Título 1"/>
+          <p:cNvSpPr>
+            <a:spLocks noGrp="1"/>
+          </p:cNvSpPr>
+          <p:nvPr>
+            <p:ph type="title"/>
+          </p:nvPr>
+        </p:nvSpPr>
+        <p:spPr/>
+        <p:txBody>
+          <a:bodyPr/>
+          <a:lstStyle/>
+          <a:p>
+            <a:r>
+              <a:rPr lang="pt-BR" dirty="0" smtClean="0"/>
+              <a:t>Comprimindo </a:t>
+            </a:r>
+            <a:r>
+              <a:rPr lang="pt-BR" dirty="0" err="1" smtClean="0"/>
+              <a:t>JavaScript</a:t>
+            </a:r>
+            <a:endParaRPr lang="pt-BR" dirty="0"/>
+          </a:p>
+        </p:txBody>
+      </p:sp>
+      <p:sp>
+        <p:nvSpPr>
+          <p:cNvPr id="4" name="Espaço Reservado para Texto 3"/>
+          <p:cNvSpPr>
+            <a:spLocks noGrp="1"/>
+          </p:cNvSpPr>
+          <p:nvPr>
+            <p:ph type="body" idx="1"/>
+          </p:nvPr>
+        </p:nvSpPr>
+        <p:spPr/>
+        <p:txBody>
+          <a:bodyPr/>
+          <a:lstStyle/>
+          <a:p>
+            <a:pPr marL="0" lvl="1">
+              <a:spcBef>
+                <a:spcPts val="1000"/>
+              </a:spcBef>
+            </a:pPr>
+            <a:r>
+              <a:rPr lang="pt-BR" dirty="0" smtClean="0"/>
+              <a:t>Módulo 3 – Aula </a:t>
+            </a:r>
+            <a:r>
+              <a:rPr lang="pt-BR" dirty="0"/>
+              <a:t>5</a:t>
+            </a:r>
+            <a:endParaRPr lang="pt-BR" dirty="0" smtClean="0"/>
+          </a:p>
+        </p:txBody>
+      </p:sp>
+    </p:spTree>
+    <p:extLst>
+      <p:ext uri="{BB962C8B-B14F-4D97-AF65-F5344CB8AC3E}">
+        <p14:creationId xmlns:p14="http://schemas.microsoft.com/office/powerpoint/2010/main" val="439371473"/>
+      </p:ext>
+    </p:extLst>
+  </p:cSld>
+  <p:clrMapOvr>
+    <a:masterClrMapping/>
+  </p:clrMapOvr>
+  <p:transition xmlns:p14="http://schemas.microsoft.com/office/powerpoint/2010/main" spd="slow">
+    <p:push dir="u"/>
+  </p:transition>
+  <p:timing>
+    <p:tnLst>
+      <p:par>
+        <p:cTn xmlns:p14="http://schemas.microsoft.com/office/powerpoint/2010/main" id="1" dur="indefinite" restart="never" nodeType="tmRoot"/>
+      </p:par>
+    </p:tnLst>
+  </p:timing>
+</p:sld>
+</file>
+
+<file path=ppt/slides/slide14.xml><?xml version="1.0" encoding="utf-8"?>
+<p:sld xmlns:a="http://schemas.openxmlformats.org/drawingml/2006/main" xmlns:r="http://schemas.openxmlformats.org/officeDocument/2006/relationships" xmlns:p="http://schemas.openxmlformats.org/presentationml/2006/main">
+  <p:cSld>
+    <p:bg>
+      <p:bgPr>
+        <a:blipFill dpi="0" rotWithShape="1">
+          <a:blip r:embed="rId2">
+            <a:lum/>
+          </a:blip>
+          <a:srcRect/>
+          <a:stretch>
+            <a:fillRect/>
+          </a:stretch>
+        </a:blipFill>
+        <a:effectLst/>
+      </p:bgPr>
+    </p:bg>
+    <p:spTree>
+      <p:nvGrpSpPr>
+        <p:cNvPr id="1" name=""/>
+        <p:cNvGrpSpPr/>
+        <p:nvPr/>
+      </p:nvGrpSpPr>
+      <p:grpSpPr>
+        <a:xfrm>
+          <a:off x="0" y="0"/>
+          <a:ext cx="0" cy="0"/>
+          <a:chOff x="0" y="0"/>
+          <a:chExt cx="0" cy="0"/>
+        </a:xfrm>
+      </p:grpSpPr>
+      <p:sp>
+        <p:nvSpPr>
+          <p:cNvPr id="2" name="Título 1"/>
+          <p:cNvSpPr>
+            <a:spLocks noGrp="1"/>
+          </p:cNvSpPr>
+          <p:nvPr>
+            <p:ph type="title"/>
+          </p:nvPr>
+        </p:nvSpPr>
+        <p:spPr/>
+        <p:txBody>
+          <a:bodyPr/>
+          <a:lstStyle/>
+          <a:p>
+            <a:r>
+              <a:rPr lang="pt-BR" dirty="0" smtClean="0"/>
+              <a:t>Comprimindo </a:t>
+            </a:r>
+            <a:r>
+              <a:rPr lang="pt-BR" dirty="0" err="1" smtClean="0"/>
+              <a:t>JavaScript</a:t>
+            </a:r>
+            <a:endParaRPr lang="pt-BR" dirty="0"/>
+          </a:p>
+        </p:txBody>
+      </p:sp>
+      <p:sp>
+        <p:nvSpPr>
+          <p:cNvPr id="5" name="Espaço Reservado para Conteúdo 4"/>
+          <p:cNvSpPr>
+            <a:spLocks noGrp="1"/>
+          </p:cNvSpPr>
+          <p:nvPr>
+            <p:ph idx="1"/>
+          </p:nvPr>
+        </p:nvSpPr>
+        <p:spPr/>
+        <p:txBody>
+          <a:bodyPr/>
+          <a:lstStyle/>
+          <a:p>
+            <a:r>
+              <a:rPr lang="pt-BR" dirty="0" smtClean="0"/>
+              <a:t>Por que?</a:t>
+            </a:r>
+          </a:p>
+          <a:p>
+            <a:r>
+              <a:rPr lang="pt-BR" dirty="0" smtClean="0"/>
+              <a:t>Compress</a:t>
+            </a:r>
+            <a:r>
+              <a:rPr lang="pt-BR" dirty="0" smtClean="0"/>
+              <a:t>ão</a:t>
+            </a:r>
+          </a:p>
+          <a:p>
+            <a:r>
+              <a:rPr lang="pt-BR" dirty="0" err="1" smtClean="0"/>
+              <a:t>Uglify</a:t>
+            </a:r>
+            <a:endParaRPr lang="pt-BR" dirty="0" smtClean="0"/>
+          </a:p>
+          <a:p>
+            <a:r>
+              <a:rPr lang="pt-BR" dirty="0" smtClean="0"/>
+              <a:t>Criando </a:t>
+            </a:r>
+            <a:r>
+              <a:rPr lang="pt-BR" dirty="0" err="1" smtClean="0"/>
+              <a:t>tasks</a:t>
+            </a:r>
+            <a:r>
+              <a:rPr lang="pt-BR" dirty="0" smtClean="0"/>
+              <a:t> no </a:t>
+            </a:r>
+            <a:r>
+              <a:rPr lang="pt-BR" dirty="0" err="1" smtClean="0"/>
+              <a:t>Grunt</a:t>
+            </a:r>
+            <a:endParaRPr lang="pt-BR" dirty="0" smtClean="0"/>
+          </a:p>
+          <a:p>
+            <a:endParaRPr lang="pt-BR" dirty="0" smtClean="0"/>
+          </a:p>
+        </p:txBody>
+      </p:sp>
+    </p:spTree>
+    <p:extLst>
+      <p:ext uri="{BB962C8B-B14F-4D97-AF65-F5344CB8AC3E}">
+        <p14:creationId xmlns:p14="http://schemas.microsoft.com/office/powerpoint/2010/main" val="405137328"/>
+      </p:ext>
+    </p:extLst>
+  </p:cSld>
+  <p:clrMapOvr>
+    <a:masterClrMapping/>
+  </p:clrMapOvr>
+  <p:transition xmlns:p14="http://schemas.microsoft.com/office/powerpoint/2010/main" spd="slow">
+    <p:push dir="u"/>
+  </p:transition>
+  <p:timing>
+    <p:tnLst>
+      <p:par>
+        <p:cTn xmlns:p14="http://schemas.microsoft.com/office/powerpoint/2010/main" id="1" dur="indefinite" restart="never" nodeType="tmRoot"/>
+      </p:par>
+    </p:tnLst>
+  </p:timing>
+</p:sld>
+</file>
+
+<file path=ppt/slides/slide15.xml><?xml version="1.0" encoding="utf-8"?>
+<p:sld xmlns:a="http://schemas.openxmlformats.org/drawingml/2006/main" xmlns:r="http://schemas.openxmlformats.org/officeDocument/2006/relationships" xmlns:p="http://schemas.openxmlformats.org/presentationml/2006/main">
+  <p:cSld>
+    <p:bg>
+      <p:bgPr>
+        <a:blipFill dpi="0" rotWithShape="1">
+          <a:blip r:embed="rId2">
+            <a:lum/>
+          </a:blip>
+          <a:srcRect/>
+          <a:stretch>
+            <a:fillRect/>
+          </a:stretch>
+        </a:blipFill>
+        <a:effectLst/>
+      </p:bgPr>
+    </p:bg>
+    <p:spTree>
+      <p:nvGrpSpPr>
+        <p:cNvPr id="1" name=""/>
+        <p:cNvGrpSpPr/>
+        <p:nvPr/>
+      </p:nvGrpSpPr>
+      <p:grpSpPr>
+        <a:xfrm>
+          <a:off x="0" y="0"/>
+          <a:ext cx="0" cy="0"/>
+          <a:chOff x="0" y="0"/>
+          <a:chExt cx="0" cy="0"/>
+        </a:xfrm>
+      </p:grpSpPr>
+      <p:sp>
+        <p:nvSpPr>
+          <p:cNvPr id="2" name="Título 1"/>
+          <p:cNvSpPr>
+            <a:spLocks noGrp="1"/>
+          </p:cNvSpPr>
+          <p:nvPr>
+            <p:ph type="title"/>
+          </p:nvPr>
+        </p:nvSpPr>
+        <p:spPr/>
+        <p:txBody>
+          <a:bodyPr/>
+          <a:lstStyle/>
+          <a:p>
+            <a:r>
+              <a:rPr lang="pt-BR" dirty="0" smtClean="0"/>
+              <a:t>DEMO</a:t>
+            </a:r>
+            <a:endParaRPr lang="pt-BR" dirty="0"/>
+          </a:p>
+        </p:txBody>
+      </p:sp>
+      <p:sp>
+        <p:nvSpPr>
+          <p:cNvPr id="5" name="Espaço Reservado para Conteúdo 4"/>
+          <p:cNvSpPr>
+            <a:spLocks noGrp="1"/>
+          </p:cNvSpPr>
+          <p:nvPr>
+            <p:ph type="body" idx="1"/>
+          </p:nvPr>
+        </p:nvSpPr>
+        <p:spPr/>
+        <p:txBody>
+          <a:bodyPr numCol="2">
+            <a:normAutofit/>
+          </a:bodyPr>
+          <a:lstStyle/>
+          <a:p>
+            <a:pPr lvl="1" fontAlgn="base"/>
+            <a:r>
+              <a:rPr lang="pt-BR" dirty="0" smtClean="0"/>
+              <a:t>Criando </a:t>
+            </a:r>
+            <a:r>
+              <a:rPr lang="pt-BR" dirty="0" err="1" smtClean="0"/>
+              <a:t>tasks</a:t>
+            </a:r>
+            <a:r>
+              <a:rPr lang="pt-BR" dirty="0" smtClean="0"/>
+              <a:t> no </a:t>
+            </a:r>
+            <a:r>
+              <a:rPr lang="pt-BR" dirty="0" err="1" smtClean="0"/>
+              <a:t>Grunt</a:t>
+            </a:r>
+            <a:r>
+              <a:rPr lang="pt-BR" dirty="0" smtClean="0"/>
+              <a:t> para comprimir e distorcer o </a:t>
+            </a:r>
+            <a:r>
+              <a:rPr lang="pt-BR" dirty="0" err="1" smtClean="0"/>
+              <a:t>javascript</a:t>
+            </a:r>
+            <a:endParaRPr lang="pt-BR" dirty="0" smtClean="0"/>
+          </a:p>
+        </p:txBody>
+      </p:sp>
+    </p:spTree>
+    <p:extLst>
+      <p:ext uri="{BB962C8B-B14F-4D97-AF65-F5344CB8AC3E}">
+        <p14:creationId xmlns:p14="http://schemas.microsoft.com/office/powerpoint/2010/main" val="1283156281"/>
       </p:ext>
     </p:extLst>
   </p:cSld>
@@ -3141,19 +3882,7 @@
             </a:r>
             <a:r>
               <a:rPr lang="pt-BR" b="1" dirty="0" smtClean="0"/>
-              <a:t>3 </a:t>
-            </a:r>
-            <a:r>
-              <a:rPr lang="pt-BR" b="1" dirty="0" smtClean="0"/>
-              <a:t>– </a:t>
-            </a:r>
-            <a:r>
-              <a:rPr lang="pt-BR" b="1" dirty="0" smtClean="0"/>
-              <a:t>instalaç</a:t>
-            </a:r>
-            <a:r>
-              <a:rPr lang="pt-BR" b="1" dirty="0" smtClean="0"/>
-              <a:t>ão e distribuição</a:t>
+              <a:t>3 – instalação e distribuição</a:t>
             </a:r>
             <a:endParaRPr lang="pt-BR" dirty="0"/>
           </a:p>
@@ -3276,7 +4005,11 @@
           <a:p>
             <a:r>
               <a:rPr lang="pt-BR" dirty="0" smtClean="0"/>
-              <a:t>Padronizando as mensagens de retorno</a:t>
+              <a:t>Download e C</a:t>
+            </a:r>
+            <a:r>
+              <a:rPr lang="pt-BR" dirty="0" smtClean="0"/>
+              <a:t>ópia de Arquivos</a:t>
             </a:r>
             <a:endParaRPr lang="pt-BR" dirty="0"/>
           </a:p>
@@ -3380,7 +4113,11 @@
           <a:p>
             <a:r>
               <a:rPr lang="pt-BR" dirty="0" smtClean="0"/>
-              <a:t>Padronizando as Mensagens de Retorno</a:t>
+              <a:t>Download </a:t>
+            </a:r>
+            <a:r>
+              <a:rPr lang="pt-BR" dirty="0" err="1" smtClean="0"/>
+              <a:t>AngularJS</a:t>
             </a:r>
             <a:endParaRPr lang="pt-BR" dirty="0"/>
           </a:p>
@@ -3401,62 +4138,20 @@
           <a:bodyPr/>
           <a:lstStyle/>
           <a:p>
-            <a:pPr fontAlgn="base"/>
+            <a:r>
+              <a:rPr lang="pt-BR" dirty="0" err="1" smtClean="0"/>
+              <a:t>Angularj.org</a:t>
+            </a:r>
+            <a:endParaRPr lang="pt-BR" dirty="0" smtClean="0"/>
+          </a:p>
+          <a:p>
             <a:r>
               <a:rPr lang="pt-BR" dirty="0" smtClean="0"/>
-              <a:t>O que são os HTTP </a:t>
-            </a:r>
-            <a:r>
-              <a:rPr lang="pt-BR" dirty="0" err="1" smtClean="0"/>
-              <a:t>Messages</a:t>
+              <a:t>Entendendo a separaç</a:t>
             </a:r>
             <a:r>
               <a:rPr lang="pt-BR" dirty="0" smtClean="0"/>
-              <a:t>?</a:t>
-            </a:r>
-          </a:p>
-          <a:p>
-            <a:pPr fontAlgn="base"/>
-            <a:r>
-              <a:rPr lang="pt-BR" dirty="0" smtClean="0"/>
-              <a:t>Por que utilizar </a:t>
-            </a:r>
-            <a:r>
-              <a:rPr lang="pt-BR" dirty="0" err="1" smtClean="0"/>
-              <a:t>Http</a:t>
-            </a:r>
-            <a:r>
-              <a:rPr lang="pt-BR" dirty="0" smtClean="0"/>
-              <a:t> </a:t>
-            </a:r>
-            <a:r>
-              <a:rPr lang="pt-BR" dirty="0" err="1" smtClean="0"/>
-              <a:t>Message</a:t>
-            </a:r>
-            <a:r>
-              <a:rPr lang="pt-BR" dirty="0" smtClean="0"/>
-              <a:t>?</a:t>
-            </a:r>
-          </a:p>
-          <a:p>
-            <a:pPr fontAlgn="base"/>
-            <a:r>
-              <a:rPr lang="pt-BR" dirty="0" smtClean="0"/>
-              <a:t>Melhorando o padrão de retorno de dados</a:t>
-            </a:r>
-          </a:p>
-          <a:p>
-            <a:pPr fontAlgn="base"/>
-            <a:r>
-              <a:rPr lang="pt-BR" dirty="0" smtClean="0"/>
-              <a:t>Lista completa de códigos HTTP e seus significados</a:t>
-            </a:r>
-          </a:p>
-          <a:p>
-            <a:pPr lvl="1" fontAlgn="base"/>
-            <a:r>
-              <a:rPr lang="pt-BR" dirty="0"/>
-              <a:t>http://pt.wikipedia.org/wiki/Lista_de_c%C3%B3digos_de_status_HTTP</a:t>
+              <a:t>ão dos arquivos</a:t>
             </a:r>
           </a:p>
           <a:p>
@@ -3561,11 +4256,11 @@
             <a:pPr lvl="1" fontAlgn="base"/>
             <a:r>
               <a:rPr lang="pt-BR" dirty="0" smtClean="0"/>
-              <a:t>Padronizando retorno de mensagens utilizando </a:t>
+              <a:t>Baixando e utilizando os arquivos do </a:t>
             </a:r>
             <a:r>
               <a:rPr lang="pt-BR" dirty="0" err="1" smtClean="0"/>
-              <a:t>HttpMessage</a:t>
+              <a:t>angularjs</a:t>
             </a:r>
             <a:endParaRPr lang="pt-BR" dirty="0" smtClean="0"/>
           </a:p>
@@ -3575,6 +4270,454 @@
     <p:extLst>
       <p:ext uri="{BB962C8B-B14F-4D97-AF65-F5344CB8AC3E}">
         <p14:creationId xmlns:p14="http://schemas.microsoft.com/office/powerpoint/2010/main" val="13331749"/>
+      </p:ext>
+    </p:extLst>
+  </p:cSld>
+  <p:clrMapOvr>
+    <a:masterClrMapping/>
+  </p:clrMapOvr>
+  <p:transition xmlns:p14="http://schemas.microsoft.com/office/powerpoint/2010/main" spd="slow">
+    <p:push dir="u"/>
+  </p:transition>
+  <p:timing>
+    <p:tnLst>
+      <p:par>
+        <p:cTn xmlns:p14="http://schemas.microsoft.com/office/powerpoint/2010/main" id="1" dur="indefinite" restart="never" nodeType="tmRoot"/>
+      </p:par>
+    </p:tnLst>
+  </p:timing>
+</p:sld>
+</file>
+
+<file path=ppt/slides/slide6.xml><?xml version="1.0" encoding="utf-8"?>
+<p:sld xmlns:a="http://schemas.openxmlformats.org/drawingml/2006/main" xmlns:r="http://schemas.openxmlformats.org/officeDocument/2006/relationships" xmlns:p="http://schemas.openxmlformats.org/presentationml/2006/main">
+  <p:cSld>
+    <p:bg>
+      <p:bgPr>
+        <a:blipFill dpi="0" rotWithShape="1">
+          <a:blip r:embed="rId2">
+            <a:lum/>
+          </a:blip>
+          <a:srcRect/>
+          <a:stretch>
+            <a:fillRect/>
+          </a:stretch>
+        </a:blipFill>
+        <a:effectLst/>
+      </p:bgPr>
+    </p:bg>
+    <p:spTree>
+      <p:nvGrpSpPr>
+        <p:cNvPr id="1" name=""/>
+        <p:cNvGrpSpPr/>
+        <p:nvPr/>
+      </p:nvGrpSpPr>
+      <p:grpSpPr>
+        <a:xfrm>
+          <a:off x="0" y="0"/>
+          <a:ext cx="0" cy="0"/>
+          <a:chOff x="0" y="0"/>
+          <a:chExt cx="0" cy="0"/>
+        </a:xfrm>
+      </p:grpSpPr>
+      <p:sp>
+        <p:nvSpPr>
+          <p:cNvPr id="2" name="Título 1"/>
+          <p:cNvSpPr>
+            <a:spLocks noGrp="1"/>
+          </p:cNvSpPr>
+          <p:nvPr>
+            <p:ph type="title"/>
+          </p:nvPr>
+        </p:nvSpPr>
+        <p:spPr/>
+        <p:txBody>
+          <a:bodyPr/>
+          <a:lstStyle/>
+          <a:p>
+            <a:r>
+              <a:rPr lang="pt-BR" dirty="0" smtClean="0"/>
+              <a:t>CDN</a:t>
+            </a:r>
+            <a:endParaRPr lang="pt-BR" dirty="0"/>
+          </a:p>
+        </p:txBody>
+      </p:sp>
+      <p:sp>
+        <p:nvSpPr>
+          <p:cNvPr id="4" name="Espaço Reservado para Texto 3"/>
+          <p:cNvSpPr>
+            <a:spLocks noGrp="1"/>
+          </p:cNvSpPr>
+          <p:nvPr>
+            <p:ph type="body" idx="1"/>
+          </p:nvPr>
+        </p:nvSpPr>
+        <p:spPr/>
+        <p:txBody>
+          <a:bodyPr/>
+          <a:lstStyle/>
+          <a:p>
+            <a:pPr marL="0" lvl="1">
+              <a:spcBef>
+                <a:spcPts val="1000"/>
+              </a:spcBef>
+            </a:pPr>
+            <a:r>
+              <a:rPr lang="pt-BR" dirty="0" smtClean="0"/>
+              <a:t>Módulo 3 – Aula </a:t>
+            </a:r>
+            <a:r>
+              <a:rPr lang="pt-BR" dirty="0" smtClean="0"/>
+              <a:t>2</a:t>
+            </a:r>
+            <a:endParaRPr lang="pt-BR" dirty="0" smtClean="0"/>
+          </a:p>
+        </p:txBody>
+      </p:sp>
+    </p:spTree>
+    <p:extLst>
+      <p:ext uri="{BB962C8B-B14F-4D97-AF65-F5344CB8AC3E}">
+        <p14:creationId xmlns:p14="http://schemas.microsoft.com/office/powerpoint/2010/main" val="959084242"/>
+      </p:ext>
+    </p:extLst>
+  </p:cSld>
+  <p:clrMapOvr>
+    <a:masterClrMapping/>
+  </p:clrMapOvr>
+  <p:transition xmlns:p14="http://schemas.microsoft.com/office/powerpoint/2010/main" spd="slow">
+    <p:push dir="u"/>
+  </p:transition>
+  <p:timing>
+    <p:tnLst>
+      <p:par>
+        <p:cTn xmlns:p14="http://schemas.microsoft.com/office/powerpoint/2010/main" id="1" dur="indefinite" restart="never" nodeType="tmRoot"/>
+      </p:par>
+    </p:tnLst>
+  </p:timing>
+</p:sld>
+</file>
+
+<file path=ppt/slides/slide7.xml><?xml version="1.0" encoding="utf-8"?>
+<p:sld xmlns:a="http://schemas.openxmlformats.org/drawingml/2006/main" xmlns:r="http://schemas.openxmlformats.org/officeDocument/2006/relationships" xmlns:p="http://schemas.openxmlformats.org/presentationml/2006/main">
+  <p:cSld>
+    <p:bg>
+      <p:bgPr>
+        <a:blipFill dpi="0" rotWithShape="1">
+          <a:blip r:embed="rId2">
+            <a:lum/>
+          </a:blip>
+          <a:srcRect/>
+          <a:stretch>
+            <a:fillRect/>
+          </a:stretch>
+        </a:blipFill>
+        <a:effectLst/>
+      </p:bgPr>
+    </p:bg>
+    <p:spTree>
+      <p:nvGrpSpPr>
+        <p:cNvPr id="1" name=""/>
+        <p:cNvGrpSpPr/>
+        <p:nvPr/>
+      </p:nvGrpSpPr>
+      <p:grpSpPr>
+        <a:xfrm>
+          <a:off x="0" y="0"/>
+          <a:ext cx="0" cy="0"/>
+          <a:chOff x="0" y="0"/>
+          <a:chExt cx="0" cy="0"/>
+        </a:xfrm>
+      </p:grpSpPr>
+      <p:sp>
+        <p:nvSpPr>
+          <p:cNvPr id="2" name="Título 1"/>
+          <p:cNvSpPr>
+            <a:spLocks noGrp="1"/>
+          </p:cNvSpPr>
+          <p:nvPr>
+            <p:ph type="title"/>
+          </p:nvPr>
+        </p:nvSpPr>
+        <p:spPr/>
+        <p:txBody>
+          <a:bodyPr/>
+          <a:lstStyle/>
+          <a:p>
+            <a:r>
+              <a:rPr lang="pt-BR" dirty="0" smtClean="0"/>
+              <a:t>DEMO</a:t>
+            </a:r>
+            <a:endParaRPr lang="pt-BR" dirty="0"/>
+          </a:p>
+        </p:txBody>
+      </p:sp>
+      <p:sp>
+        <p:nvSpPr>
+          <p:cNvPr id="5" name="Espaço Reservado para Conteúdo 4"/>
+          <p:cNvSpPr>
+            <a:spLocks noGrp="1"/>
+          </p:cNvSpPr>
+          <p:nvPr>
+            <p:ph type="body" idx="1"/>
+          </p:nvPr>
+        </p:nvSpPr>
+        <p:spPr/>
+        <p:txBody>
+          <a:bodyPr numCol="2">
+            <a:normAutofit/>
+          </a:bodyPr>
+          <a:lstStyle/>
+          <a:p>
+            <a:pPr lvl="1" fontAlgn="base"/>
+            <a:r>
+              <a:rPr lang="pt-BR" dirty="0" smtClean="0"/>
+              <a:t>Utilizando </a:t>
+            </a:r>
+            <a:r>
+              <a:rPr lang="pt-BR" dirty="0" err="1" smtClean="0"/>
+              <a:t>angularjs</a:t>
+            </a:r>
+            <a:r>
+              <a:rPr lang="pt-BR" dirty="0" smtClean="0"/>
+              <a:t> do </a:t>
+            </a:r>
+            <a:r>
+              <a:rPr lang="pt-BR" dirty="0" err="1" smtClean="0"/>
+              <a:t>cdn</a:t>
+            </a:r>
+            <a:endParaRPr lang="pt-BR" dirty="0" smtClean="0"/>
+          </a:p>
+        </p:txBody>
+      </p:sp>
+    </p:spTree>
+    <p:extLst>
+      <p:ext uri="{BB962C8B-B14F-4D97-AF65-F5344CB8AC3E}">
+        <p14:creationId xmlns:p14="http://schemas.microsoft.com/office/powerpoint/2010/main" val="3942949669"/>
+      </p:ext>
+    </p:extLst>
+  </p:cSld>
+  <p:clrMapOvr>
+    <a:masterClrMapping/>
+  </p:clrMapOvr>
+  <p:transition xmlns:p14="http://schemas.microsoft.com/office/powerpoint/2010/main" spd="slow">
+    <p:push dir="u"/>
+  </p:transition>
+  <p:timing>
+    <p:tnLst>
+      <p:par>
+        <p:cTn xmlns:p14="http://schemas.microsoft.com/office/powerpoint/2010/main" id="1" dur="indefinite" restart="never" nodeType="tmRoot"/>
+      </p:par>
+    </p:tnLst>
+  </p:timing>
+</p:sld>
+</file>
+
+<file path=ppt/slides/slide8.xml><?xml version="1.0" encoding="utf-8"?>
+<p:sld xmlns:a="http://schemas.openxmlformats.org/drawingml/2006/main" xmlns:r="http://schemas.openxmlformats.org/officeDocument/2006/relationships" xmlns:p="http://schemas.openxmlformats.org/presentationml/2006/main">
+  <p:cSld>
+    <p:bg>
+      <p:bgPr>
+        <a:blipFill dpi="0" rotWithShape="1">
+          <a:blip r:embed="rId2">
+            <a:lum/>
+          </a:blip>
+          <a:srcRect/>
+          <a:stretch>
+            <a:fillRect/>
+          </a:stretch>
+        </a:blipFill>
+        <a:effectLst/>
+      </p:bgPr>
+    </p:bg>
+    <p:spTree>
+      <p:nvGrpSpPr>
+        <p:cNvPr id="1" name=""/>
+        <p:cNvGrpSpPr/>
+        <p:nvPr/>
+      </p:nvGrpSpPr>
+      <p:grpSpPr>
+        <a:xfrm>
+          <a:off x="0" y="0"/>
+          <a:ext cx="0" cy="0"/>
+          <a:chOff x="0" y="0"/>
+          <a:chExt cx="0" cy="0"/>
+        </a:xfrm>
+      </p:grpSpPr>
+      <p:sp>
+        <p:nvSpPr>
+          <p:cNvPr id="2" name="Título 1"/>
+          <p:cNvSpPr>
+            <a:spLocks noGrp="1"/>
+          </p:cNvSpPr>
+          <p:nvPr>
+            <p:ph type="title"/>
+          </p:nvPr>
+        </p:nvSpPr>
+        <p:spPr/>
+        <p:txBody>
+          <a:bodyPr/>
+          <a:lstStyle/>
+          <a:p>
+            <a:r>
+              <a:rPr lang="pt-BR" dirty="0" err="1" smtClean="0"/>
+              <a:t>Bower</a:t>
+            </a:r>
+            <a:endParaRPr lang="pt-BR" dirty="0"/>
+          </a:p>
+        </p:txBody>
+      </p:sp>
+      <p:sp>
+        <p:nvSpPr>
+          <p:cNvPr id="4" name="Espaço Reservado para Texto 3"/>
+          <p:cNvSpPr>
+            <a:spLocks noGrp="1"/>
+          </p:cNvSpPr>
+          <p:nvPr>
+            <p:ph type="body" idx="1"/>
+          </p:nvPr>
+        </p:nvSpPr>
+        <p:spPr/>
+        <p:txBody>
+          <a:bodyPr/>
+          <a:lstStyle/>
+          <a:p>
+            <a:pPr marL="0" lvl="1">
+              <a:spcBef>
+                <a:spcPts val="1000"/>
+              </a:spcBef>
+            </a:pPr>
+            <a:r>
+              <a:rPr lang="pt-BR" dirty="0" smtClean="0"/>
+              <a:t>Módulo 3 – Aula </a:t>
+            </a:r>
+            <a:r>
+              <a:rPr lang="pt-BR" dirty="0" smtClean="0"/>
+              <a:t>3</a:t>
+            </a:r>
+            <a:endParaRPr lang="pt-BR" dirty="0" smtClean="0"/>
+          </a:p>
+        </p:txBody>
+      </p:sp>
+    </p:spTree>
+    <p:extLst>
+      <p:ext uri="{BB962C8B-B14F-4D97-AF65-F5344CB8AC3E}">
+        <p14:creationId xmlns:p14="http://schemas.microsoft.com/office/powerpoint/2010/main" val="2432165444"/>
+      </p:ext>
+    </p:extLst>
+  </p:cSld>
+  <p:clrMapOvr>
+    <a:masterClrMapping/>
+  </p:clrMapOvr>
+  <p:transition xmlns:p14="http://schemas.microsoft.com/office/powerpoint/2010/main" spd="slow">
+    <p:push dir="u"/>
+  </p:transition>
+  <p:timing>
+    <p:tnLst>
+      <p:par>
+        <p:cTn xmlns:p14="http://schemas.microsoft.com/office/powerpoint/2010/main" id="1" dur="indefinite" restart="never" nodeType="tmRoot"/>
+      </p:par>
+    </p:tnLst>
+  </p:timing>
+</p:sld>
+</file>
+
+<file path=ppt/slides/slide9.xml><?xml version="1.0" encoding="utf-8"?>
+<p:sld xmlns:a="http://schemas.openxmlformats.org/drawingml/2006/main" xmlns:r="http://schemas.openxmlformats.org/officeDocument/2006/relationships" xmlns:p="http://schemas.openxmlformats.org/presentationml/2006/main">
+  <p:cSld>
+    <p:bg>
+      <p:bgPr>
+        <a:blipFill dpi="0" rotWithShape="1">
+          <a:blip r:embed="rId2">
+            <a:lum/>
+          </a:blip>
+          <a:srcRect/>
+          <a:stretch>
+            <a:fillRect/>
+          </a:stretch>
+        </a:blipFill>
+        <a:effectLst/>
+      </p:bgPr>
+    </p:bg>
+    <p:spTree>
+      <p:nvGrpSpPr>
+        <p:cNvPr id="1" name=""/>
+        <p:cNvGrpSpPr/>
+        <p:nvPr/>
+      </p:nvGrpSpPr>
+      <p:grpSpPr>
+        <a:xfrm>
+          <a:off x="0" y="0"/>
+          <a:ext cx="0" cy="0"/>
+          <a:chOff x="0" y="0"/>
+          <a:chExt cx="0" cy="0"/>
+        </a:xfrm>
+      </p:grpSpPr>
+      <p:sp>
+        <p:nvSpPr>
+          <p:cNvPr id="2" name="Título 1"/>
+          <p:cNvSpPr>
+            <a:spLocks noGrp="1"/>
+          </p:cNvSpPr>
+          <p:nvPr>
+            <p:ph type="title"/>
+          </p:nvPr>
+        </p:nvSpPr>
+        <p:spPr/>
+        <p:txBody>
+          <a:bodyPr/>
+          <a:lstStyle/>
+          <a:p>
+            <a:r>
+              <a:rPr lang="pt-BR" dirty="0" smtClean="0"/>
+              <a:t>DEMO</a:t>
+            </a:r>
+            <a:endParaRPr lang="pt-BR" dirty="0"/>
+          </a:p>
+        </p:txBody>
+      </p:sp>
+      <p:sp>
+        <p:nvSpPr>
+          <p:cNvPr id="5" name="Espaço Reservado para Conteúdo 4"/>
+          <p:cNvSpPr>
+            <a:spLocks noGrp="1"/>
+          </p:cNvSpPr>
+          <p:nvPr>
+            <p:ph type="body" idx="1"/>
+          </p:nvPr>
+        </p:nvSpPr>
+        <p:spPr/>
+        <p:txBody>
+          <a:bodyPr numCol="2">
+            <a:normAutofit/>
+          </a:bodyPr>
+          <a:lstStyle/>
+          <a:p>
+            <a:pPr lvl="1" fontAlgn="base"/>
+            <a:r>
+              <a:rPr lang="pt-BR" dirty="0" smtClean="0"/>
+              <a:t>Instalando </a:t>
+            </a:r>
+            <a:r>
+              <a:rPr lang="pt-BR" dirty="0" err="1" smtClean="0"/>
+              <a:t>angularjs</a:t>
+            </a:r>
+            <a:r>
+              <a:rPr lang="pt-BR" dirty="0" smtClean="0"/>
+              <a:t> via </a:t>
+            </a:r>
+            <a:r>
+              <a:rPr lang="pt-BR" dirty="0" err="1" smtClean="0"/>
+              <a:t>bower</a:t>
+            </a:r>
+            <a:endParaRPr lang="pt-BR" dirty="0" smtClean="0"/>
+          </a:p>
+        </p:txBody>
+      </p:sp>
+    </p:spTree>
+    <p:extLst>
+      <p:ext uri="{BB962C8B-B14F-4D97-AF65-F5344CB8AC3E}">
+        <p14:creationId xmlns:p14="http://schemas.microsoft.com/office/powerpoint/2010/main" val="125482089"/>
       </p:ext>
     </p:extLst>
   </p:cSld>
@@ -3789,7 +4932,7 @@
   <a:extraClrSchemeLst/>
   <a:extLst>
     <a:ext uri="{05A4C25C-085E-4340-85A3-A5531E510DB2}">
-      <thm15:themeFamily xmlns:thm15="http://schemas.microsoft.com/office/thememl/2012/main" xmlns="" name="Office Theme" id="{62F939B6-93AF-4DB8-9C6B-D6C7DFDC589F}" vid="{4A3C46E8-61CC-4603-A589-7422A47A8E4A}"/>
+      <thm15:themeFamily xmlns="" xmlns:thm15="http://schemas.microsoft.com/office/thememl/2012/main" name="Office Theme" id="{62F939B6-93AF-4DB8-9C6B-D6C7DFDC589F}" vid="{4A3C46E8-61CC-4603-A589-7422A47A8E4A}"/>
     </a:ext>
   </a:extLst>
 </a:theme>
